--- a/15 - Arquitetura de Negócio para cada Cenário.pptx
+++ b/15 - Arquitetura de Negócio para cada Cenário.pptx
@@ -8,10 +8,10 @@
     <p:notesMasterId r:id="rId6"/>
   </p:notesMasterIdLst>
   <p:sldIdLst>
-    <p:sldId id="256" r:id="rId2"/>
-    <p:sldId id="422" r:id="rId3"/>
-    <p:sldId id="424" r:id="rId4"/>
-    <p:sldId id="421" r:id="rId5"/>
+    <p:sldId id="422" r:id="rId2"/>
+    <p:sldId id="424" r:id="rId3"/>
+    <p:sldId id="421" r:id="rId4"/>
+    <p:sldId id="425" r:id="rId5"/>
   </p:sldIdLst>
   <p:sldSz cx="12192000" cy="6858000"/>
   <p:notesSz cx="6858000" cy="9144000"/>
@@ -200,7 +200,7 @@
           <a:p>
             <a:fld id="{258E502B-CFFF-4977-BA55-B253021E2457}" type="datetimeFigureOut">
               <a:rPr lang="pt-BR" smtClean="0"/>
-              <a:t>22/09/2020</a:t>
+              <a:t>22/10/2020</a:t>
             </a:fld>
             <a:endParaRPr lang="pt-BR"/>
           </a:p>
@@ -614,7 +614,7 @@
           <a:p>
             <a:fld id="{362C238F-AFC2-456F-A70E-2BEB777654C4}" type="datetimeFigureOut">
               <a:rPr lang="pt-BR" smtClean="0"/>
-              <a:t>22/09/2020</a:t>
+              <a:t>22/10/2020</a:t>
             </a:fld>
             <a:endParaRPr lang="pt-BR"/>
           </a:p>
@@ -812,7 +812,7 @@
           <a:p>
             <a:fld id="{362C238F-AFC2-456F-A70E-2BEB777654C4}" type="datetimeFigureOut">
               <a:rPr lang="pt-BR" smtClean="0"/>
-              <a:t>22/09/2020</a:t>
+              <a:t>22/10/2020</a:t>
             </a:fld>
             <a:endParaRPr lang="pt-BR"/>
           </a:p>
@@ -1020,7 +1020,7 @@
           <a:p>
             <a:fld id="{362C238F-AFC2-456F-A70E-2BEB777654C4}" type="datetimeFigureOut">
               <a:rPr lang="pt-BR" smtClean="0"/>
-              <a:t>22/09/2020</a:t>
+              <a:t>22/10/2020</a:t>
             </a:fld>
             <a:endParaRPr lang="pt-BR"/>
           </a:p>
@@ -1218,7 +1218,7 @@
           <a:p>
             <a:fld id="{362C238F-AFC2-456F-A70E-2BEB777654C4}" type="datetimeFigureOut">
               <a:rPr lang="pt-BR" smtClean="0"/>
-              <a:t>22/09/2020</a:t>
+              <a:t>22/10/2020</a:t>
             </a:fld>
             <a:endParaRPr lang="pt-BR"/>
           </a:p>
@@ -1493,7 +1493,7 @@
           <a:p>
             <a:fld id="{362C238F-AFC2-456F-A70E-2BEB777654C4}" type="datetimeFigureOut">
               <a:rPr lang="pt-BR" smtClean="0"/>
-              <a:t>22/09/2020</a:t>
+              <a:t>22/10/2020</a:t>
             </a:fld>
             <a:endParaRPr lang="pt-BR"/>
           </a:p>
@@ -1758,7 +1758,7 @@
           <a:p>
             <a:fld id="{362C238F-AFC2-456F-A70E-2BEB777654C4}" type="datetimeFigureOut">
               <a:rPr lang="pt-BR" smtClean="0"/>
-              <a:t>22/09/2020</a:t>
+              <a:t>22/10/2020</a:t>
             </a:fld>
             <a:endParaRPr lang="pt-BR"/>
           </a:p>
@@ -2170,7 +2170,7 @@
           <a:p>
             <a:fld id="{362C238F-AFC2-456F-A70E-2BEB777654C4}" type="datetimeFigureOut">
               <a:rPr lang="pt-BR" smtClean="0"/>
-              <a:t>22/09/2020</a:t>
+              <a:t>22/10/2020</a:t>
             </a:fld>
             <a:endParaRPr lang="pt-BR"/>
           </a:p>
@@ -2311,7 +2311,7 @@
           <a:p>
             <a:fld id="{362C238F-AFC2-456F-A70E-2BEB777654C4}" type="datetimeFigureOut">
               <a:rPr lang="pt-BR" smtClean="0"/>
-              <a:t>22/09/2020</a:t>
+              <a:t>22/10/2020</a:t>
             </a:fld>
             <a:endParaRPr lang="pt-BR"/>
           </a:p>
@@ -2424,7 +2424,7 @@
           <a:p>
             <a:fld id="{362C238F-AFC2-456F-A70E-2BEB777654C4}" type="datetimeFigureOut">
               <a:rPr lang="pt-BR" smtClean="0"/>
-              <a:t>22/09/2020</a:t>
+              <a:t>22/10/2020</a:t>
             </a:fld>
             <a:endParaRPr lang="pt-BR"/>
           </a:p>
@@ -2735,7 +2735,7 @@
           <a:p>
             <a:fld id="{362C238F-AFC2-456F-A70E-2BEB777654C4}" type="datetimeFigureOut">
               <a:rPr lang="pt-BR" smtClean="0"/>
-              <a:t>22/09/2020</a:t>
+              <a:t>22/10/2020</a:t>
             </a:fld>
             <a:endParaRPr lang="pt-BR"/>
           </a:p>
@@ -3023,7 +3023,7 @@
           <a:p>
             <a:fld id="{362C238F-AFC2-456F-A70E-2BEB777654C4}" type="datetimeFigureOut">
               <a:rPr lang="pt-BR" smtClean="0"/>
-              <a:t>22/09/2020</a:t>
+              <a:t>22/10/2020</a:t>
             </a:fld>
             <a:endParaRPr lang="pt-BR"/>
           </a:p>
@@ -3264,7 +3264,7 @@
           <a:p>
             <a:fld id="{362C238F-AFC2-456F-A70E-2BEB777654C4}" type="datetimeFigureOut">
               <a:rPr lang="pt-BR" smtClean="0"/>
-              <a:t>22/09/2020</a:t>
+              <a:t>22/10/2020</a:t>
             </a:fld>
             <a:endParaRPr lang="pt-BR"/>
           </a:p>
@@ -3683,92 +3683,6 @@
       </p:grpSpPr>
       <p:sp>
         <p:nvSpPr>
-          <p:cNvPr id="2" name="Título 1">
-            <a:extLst>
-              <a:ext uri="{FF2B5EF4-FFF2-40B4-BE49-F238E27FC236}">
-                <a16:creationId xmlns:a16="http://schemas.microsoft.com/office/drawing/2014/main" id="{41BA7326-ADB1-42BC-B4D1-06EF13260810}"/>
-              </a:ext>
-            </a:extLst>
-          </p:cNvPr>
-          <p:cNvSpPr>
-            <a:spLocks noGrp="1"/>
-          </p:cNvSpPr>
-          <p:nvPr>
-            <p:ph type="ctrTitle"/>
-          </p:nvPr>
-        </p:nvSpPr>
-        <p:spPr/>
-        <p:txBody>
-          <a:bodyPr/>
-          <a:lstStyle/>
-          <a:p>
-            <a:r>
-              <a:rPr lang="pt-BR" dirty="0"/>
-              <a:t>Case</a:t>
-            </a:r>
-          </a:p>
-        </p:txBody>
-      </p:sp>
-      <p:sp>
-        <p:nvSpPr>
-          <p:cNvPr id="3" name="Subtítulo 2">
-            <a:extLst>
-              <a:ext uri="{FF2B5EF4-FFF2-40B4-BE49-F238E27FC236}">
-                <a16:creationId xmlns:a16="http://schemas.microsoft.com/office/drawing/2014/main" id="{CD627502-B4DB-4205-8368-9EF4D8A3DD83}"/>
-              </a:ext>
-            </a:extLst>
-          </p:cNvPr>
-          <p:cNvSpPr>
-            <a:spLocks noGrp="1"/>
-          </p:cNvSpPr>
-          <p:nvPr>
-            <p:ph type="subTitle" idx="1"/>
-          </p:nvPr>
-        </p:nvSpPr>
-        <p:spPr/>
-        <p:txBody>
-          <a:bodyPr/>
-          <a:lstStyle/>
-          <a:p>
-            <a:r>
-              <a:rPr lang="pt-BR" dirty="0"/>
-              <a:t>Desenvolvimento Web Culinário</a:t>
-            </a:r>
-          </a:p>
-        </p:txBody>
-      </p:sp>
-    </p:spTree>
-    <p:extLst>
-      <p:ext uri="{BB962C8B-B14F-4D97-AF65-F5344CB8AC3E}">
-        <p14:creationId xmlns:p14="http://schemas.microsoft.com/office/powerpoint/2010/main" val="2267190081"/>
-      </p:ext>
-    </p:extLst>
-  </p:cSld>
-  <p:clrMapOvr>
-    <a:masterClrMapping/>
-  </p:clrMapOvr>
-</p:sld>
-</file>
-
-<file path=ppt/slides/slide2.xml><?xml version="1.0" encoding="utf-8"?>
-<p:sld xmlns:a="http://schemas.openxmlformats.org/drawingml/2006/main" xmlns:r="http://schemas.openxmlformats.org/officeDocument/2006/relationships" xmlns:p="http://schemas.openxmlformats.org/presentationml/2006/main">
-  <p:cSld>
-    <p:spTree>
-      <p:nvGrpSpPr>
-        <p:cNvPr id="1" name=""/>
-        <p:cNvGrpSpPr/>
-        <p:nvPr/>
-      </p:nvGrpSpPr>
-      <p:grpSpPr>
-        <a:xfrm>
-          <a:off x="0" y="0"/>
-          <a:ext cx="0" cy="0"/>
-          <a:chOff x="0" y="0"/>
-          <a:chExt cx="0" cy="0"/>
-        </a:xfrm>
-      </p:grpSpPr>
-      <p:sp>
-        <p:nvSpPr>
           <p:cNvPr id="5" name="Título 4">
             <a:extLst>
               <a:ext uri="{FF2B5EF4-FFF2-40B4-BE49-F238E27FC236}">
@@ -4007,7 +3921,7 @@
 </p:sld>
 </file>
 
-<file path=ppt/slides/slide3.xml><?xml version="1.0" encoding="utf-8"?>
+<file path=ppt/slides/slide2.xml><?xml version="1.0" encoding="utf-8"?>
 <p:sld xmlns:a="http://schemas.openxmlformats.org/drawingml/2006/main" xmlns:r="http://schemas.openxmlformats.org/officeDocument/2006/relationships" xmlns:p="http://schemas.openxmlformats.org/presentationml/2006/main">
   <p:cSld>
     <p:spTree>
@@ -4047,7 +3961,7 @@
           <a:p>
             <a:r>
               <a:rPr lang="pt-BR" dirty="0"/>
-              <a:t>Cenário: Fazer Pedido</a:t>
+              <a:t>Cenário: Fazer pedido</a:t>
             </a:r>
           </a:p>
         </p:txBody>
@@ -4420,7 +4334,7 @@
 </p:sld>
 </file>
 
-<file path=ppt/slides/slide4.xml><?xml version="1.0" encoding="utf-8"?>
+<file path=ppt/slides/slide3.xml><?xml version="1.0" encoding="utf-8"?>
 <p:sld xmlns:a="http://schemas.openxmlformats.org/drawingml/2006/main" xmlns:r="http://schemas.openxmlformats.org/officeDocument/2006/relationships" xmlns:p="http://schemas.openxmlformats.org/presentationml/2006/main">
   <p:cSld>
     <p:spTree>
@@ -4460,7 +4374,7 @@
           <a:p>
             <a:r>
               <a:rPr lang="pt-BR" dirty="0"/>
-              <a:t>Cenário: Receber Pedido</a:t>
+              <a:t>Cenário: Receber pedido</a:t>
             </a:r>
           </a:p>
         </p:txBody>
@@ -4825,6 +4739,425 @@
     <p:extLst>
       <p:ext uri="{BB962C8B-B14F-4D97-AF65-F5344CB8AC3E}">
         <p14:creationId xmlns:p14="http://schemas.microsoft.com/office/powerpoint/2010/main" val="3309327982"/>
+      </p:ext>
+    </p:extLst>
+  </p:cSld>
+  <p:clrMapOvr>
+    <a:masterClrMapping/>
+  </p:clrMapOvr>
+</p:sld>
+</file>
+
+<file path=ppt/slides/slide4.xml><?xml version="1.0" encoding="utf-8"?>
+<p:sld xmlns:a="http://schemas.openxmlformats.org/drawingml/2006/main" xmlns:r="http://schemas.openxmlformats.org/officeDocument/2006/relationships" xmlns:p="http://schemas.openxmlformats.org/presentationml/2006/main">
+  <p:cSld>
+    <p:spTree>
+      <p:nvGrpSpPr>
+        <p:cNvPr id="1" name=""/>
+        <p:cNvGrpSpPr/>
+        <p:nvPr/>
+      </p:nvGrpSpPr>
+      <p:grpSpPr>
+        <a:xfrm>
+          <a:off x="0" y="0"/>
+          <a:ext cx="0" cy="0"/>
+          <a:chOff x="0" y="0"/>
+          <a:chExt cx="0" cy="0"/>
+        </a:xfrm>
+      </p:grpSpPr>
+      <p:sp>
+        <p:nvSpPr>
+          <p:cNvPr id="9" name="Título 1">
+            <a:extLst>
+              <a:ext uri="{FF2B5EF4-FFF2-40B4-BE49-F238E27FC236}">
+                <a16:creationId xmlns:a16="http://schemas.microsoft.com/office/drawing/2014/main" id="{55E70F07-E351-4ED6-B3C8-20EFC0AE2FC2}"/>
+              </a:ext>
+            </a:extLst>
+          </p:cNvPr>
+          <p:cNvSpPr>
+            <a:spLocks noGrp="1"/>
+          </p:cNvSpPr>
+          <p:nvPr>
+            <p:ph type="title"/>
+          </p:nvPr>
+        </p:nvSpPr>
+        <p:spPr>
+          <a:xfrm>
+            <a:off x="838200" y="365125"/>
+            <a:ext cx="10515600" cy="1325563"/>
+          </a:xfrm>
+        </p:spPr>
+        <p:txBody>
+          <a:bodyPr/>
+          <a:lstStyle/>
+          <a:p>
+            <a:r>
+              <a:rPr lang="pt-BR" dirty="0"/>
+              <a:t>Cenário: Retirar pedido</a:t>
+            </a:r>
+          </a:p>
+        </p:txBody>
+      </p:sp>
+      <p:sp>
+        <p:nvSpPr>
+          <p:cNvPr id="10" name="Cubo 9">
+            <a:extLst>
+              <a:ext uri="{FF2B5EF4-FFF2-40B4-BE49-F238E27FC236}">
+                <a16:creationId xmlns:a16="http://schemas.microsoft.com/office/drawing/2014/main" id="{9838DCCF-CA15-47E2-9818-C7EE81A19A68}"/>
+              </a:ext>
+            </a:extLst>
+          </p:cNvPr>
+          <p:cNvSpPr/>
+          <p:nvPr/>
+        </p:nvSpPr>
+        <p:spPr bwMode="auto">
+          <a:xfrm>
+            <a:off x="7537797" y="3189570"/>
+            <a:ext cx="1627447" cy="584456"/>
+          </a:xfrm>
+          <a:prstGeom prst="cube">
+            <a:avLst/>
+          </a:prstGeom>
+          <a:solidFill>
+            <a:srgbClr val="FFC000"/>
+          </a:solidFill>
+          <a:ln>
+            <a:headEnd type="none" w="med" len="med"/>
+            <a:tailEnd type="none" w="med" len="med"/>
+          </a:ln>
+        </p:spPr>
+        <p:style>
+          <a:lnRef idx="2">
+            <a:schemeClr val="accent1"/>
+          </a:lnRef>
+          <a:fillRef idx="1">
+            <a:schemeClr val="lt1"/>
+          </a:fillRef>
+          <a:effectRef idx="0">
+            <a:schemeClr val="accent1"/>
+          </a:effectRef>
+          <a:fontRef idx="minor">
+            <a:schemeClr val="dk1"/>
+          </a:fontRef>
+        </p:style>
+        <p:txBody>
+          <a:bodyPr vert="horz" wrap="square" lIns="91440" tIns="45720" rIns="91440" bIns="45720" numCol="1" rtlCol="0" anchor="t" anchorCtr="0" compatLnSpc="1">
+            <a:prstTxWarp prst="textNoShape">
+              <a:avLst/>
+            </a:prstTxWarp>
+          </a:bodyPr>
+          <a:lstStyle/>
+          <a:p>
+            <a:pPr algn="ctr"/>
+            <a:r>
+              <a:rPr lang="pt-BR" sz="1000" dirty="0"/>
+              <a:t>Pedidos</a:t>
+            </a:r>
+          </a:p>
+          <a:p>
+            <a:pPr algn="ctr"/>
+            <a:r>
+              <a:rPr lang="pt-BR" sz="1000" b="1" dirty="0"/>
+              <a:t>(Nó Operacional)</a:t>
+            </a:r>
+          </a:p>
+          <a:p>
+            <a:pPr marL="0" marR="0" indent="0" algn="l" defTabSz="914400" rtl="0" eaLnBrk="1" fontAlgn="base" latinLnBrk="0" hangingPunct="1">
+              <a:lnSpc>
+                <a:spcPct val="100000"/>
+              </a:lnSpc>
+              <a:spcBef>
+                <a:spcPct val="0"/>
+              </a:spcBef>
+              <a:spcAft>
+                <a:spcPct val="0"/>
+              </a:spcAft>
+              <a:buClrTx/>
+              <a:buSzTx/>
+              <a:buFontTx/>
+              <a:buNone/>
+              <a:tabLst/>
+            </a:pPr>
+            <a:endParaRPr kumimoji="0" lang="pt-BR" sz="1000" b="0" i="0" u="none" strike="noStrike" cap="none" normalizeH="0" baseline="0" dirty="0">
+              <a:ln>
+                <a:noFill/>
+              </a:ln>
+              <a:solidFill>
+                <a:srgbClr val="000000"/>
+              </a:solidFill>
+              <a:effectLst/>
+              <a:latin typeface="Gill Sans" charset="0"/>
+              <a:ea typeface="ヒラギノ角ゴ ProN W3" charset="0"/>
+              <a:cs typeface="ヒラギノ角ゴ ProN W3" charset="0"/>
+              <a:sym typeface="Gill Sans" charset="0"/>
+            </a:endParaRPr>
+          </a:p>
+        </p:txBody>
+      </p:sp>
+      <p:sp>
+        <p:nvSpPr>
+          <p:cNvPr id="11" name="Retângulo de cantos arredondados 111">
+            <a:extLst>
+              <a:ext uri="{FF2B5EF4-FFF2-40B4-BE49-F238E27FC236}">
+                <a16:creationId xmlns:a16="http://schemas.microsoft.com/office/drawing/2014/main" id="{174D82E7-5456-4559-95FD-F9D53BD61B81}"/>
+              </a:ext>
+            </a:extLst>
+          </p:cNvPr>
+          <p:cNvSpPr/>
+          <p:nvPr/>
+        </p:nvSpPr>
+        <p:spPr>
+          <a:xfrm>
+            <a:off x="7641957" y="4296338"/>
+            <a:ext cx="1278446" cy="728149"/>
+          </a:xfrm>
+          <a:prstGeom prst="roundRect">
+            <a:avLst/>
+          </a:prstGeom>
+          <a:scene3d>
+            <a:camera prst="orthographicFront">
+              <a:rot lat="0" lon="0" rev="0"/>
+            </a:camera>
+            <a:lightRig rig="contrasting" dir="t">
+              <a:rot lat="0" lon="0" rev="1200000"/>
+            </a:lightRig>
+          </a:scene3d>
+          <a:sp3d contourW="19050" prstMaterial="metal">
+            <a:bevelT w="88900" h="203200"/>
+            <a:bevelB w="165100" h="254000"/>
+          </a:sp3d>
+        </p:spPr>
+        <p:style>
+          <a:lnRef idx="0">
+            <a:schemeClr val="lt1">
+              <a:hueOff val="0"/>
+              <a:satOff val="0"/>
+              <a:lumOff val="0"/>
+              <a:alphaOff val="0"/>
+            </a:schemeClr>
+          </a:lnRef>
+          <a:fillRef idx="1">
+            <a:schemeClr val="accent6">
+              <a:hueOff val="0"/>
+              <a:satOff val="0"/>
+              <a:lumOff val="0"/>
+              <a:alphaOff val="0"/>
+            </a:schemeClr>
+          </a:fillRef>
+          <a:effectRef idx="1">
+            <a:schemeClr val="accent6">
+              <a:hueOff val="0"/>
+              <a:satOff val="0"/>
+              <a:lumOff val="0"/>
+              <a:alphaOff val="0"/>
+            </a:schemeClr>
+          </a:effectRef>
+          <a:fontRef idx="minor">
+            <a:schemeClr val="lt1"/>
+          </a:fontRef>
+        </p:style>
+        <p:txBody>
+          <a:bodyPr rtlCol="0" anchor="ctr"/>
+          <a:lstStyle/>
+          <a:p>
+            <a:pPr algn="ctr"/>
+            <a:r>
+              <a:rPr lang="pt-BR" sz="1200" b="1" dirty="0"/>
+              <a:t>Cliente retira pedido</a:t>
+            </a:r>
+            <a:endParaRPr lang="pt-BR" sz="1200" dirty="0"/>
+          </a:p>
+        </p:txBody>
+      </p:sp>
+      <p:sp>
+        <p:nvSpPr>
+          <p:cNvPr id="12" name="Retângulo 11">
+            <a:extLst>
+              <a:ext uri="{FF2B5EF4-FFF2-40B4-BE49-F238E27FC236}">
+                <a16:creationId xmlns:a16="http://schemas.microsoft.com/office/drawing/2014/main" id="{0B0AE691-A8B9-44D5-881D-606C13ABB54F}"/>
+              </a:ext>
+            </a:extLst>
+          </p:cNvPr>
+          <p:cNvSpPr/>
+          <p:nvPr/>
+        </p:nvSpPr>
+        <p:spPr>
+          <a:xfrm>
+            <a:off x="2035125" y="3097655"/>
+            <a:ext cx="1336431" cy="914400"/>
+          </a:xfrm>
+          <a:prstGeom prst="rect">
+            <a:avLst/>
+          </a:prstGeom>
+        </p:spPr>
+        <p:style>
+          <a:lnRef idx="2">
+            <a:schemeClr val="accent1">
+              <a:shade val="50000"/>
+            </a:schemeClr>
+          </a:lnRef>
+          <a:fillRef idx="1">
+            <a:schemeClr val="accent1"/>
+          </a:fillRef>
+          <a:effectRef idx="0">
+            <a:schemeClr val="accent1"/>
+          </a:effectRef>
+          <a:fontRef idx="minor">
+            <a:schemeClr val="lt1"/>
+          </a:fontRef>
+        </p:style>
+        <p:txBody>
+          <a:bodyPr rtlCol="0" anchor="ctr"/>
+          <a:lstStyle/>
+          <a:p>
+            <a:pPr algn="ctr"/>
+            <a:r>
+              <a:rPr lang="pt-BR" dirty="0"/>
+              <a:t>Cliente</a:t>
+            </a:r>
+          </a:p>
+        </p:txBody>
+      </p:sp>
+      <p:cxnSp>
+        <p:nvCxnSpPr>
+          <p:cNvPr id="13" name="Conector: Curvo 12">
+            <a:extLst>
+              <a:ext uri="{FF2B5EF4-FFF2-40B4-BE49-F238E27FC236}">
+                <a16:creationId xmlns:a16="http://schemas.microsoft.com/office/drawing/2014/main" id="{A823647D-EFDF-4F6A-97DA-3B1E4014C96E}"/>
+              </a:ext>
+            </a:extLst>
+          </p:cNvPr>
+          <p:cNvCxnSpPr>
+            <a:cxnSpLocks/>
+            <a:stCxn id="12" idx="3"/>
+            <a:endCxn id="10" idx="2"/>
+          </p:cNvCxnSpPr>
+          <p:nvPr/>
+        </p:nvCxnSpPr>
+        <p:spPr>
+          <a:xfrm>
+            <a:off x="3371556" y="3554855"/>
+            <a:ext cx="4166241" cy="12700"/>
+          </a:xfrm>
+          <a:prstGeom prst="curvedConnector3">
+            <a:avLst>
+              <a:gd name="adj1" fmla="val 50000"/>
+            </a:avLst>
+          </a:prstGeom>
+        </p:spPr>
+        <p:style>
+          <a:lnRef idx="1">
+            <a:schemeClr val="accent1"/>
+          </a:lnRef>
+          <a:fillRef idx="0">
+            <a:schemeClr val="accent1"/>
+          </a:fillRef>
+          <a:effectRef idx="0">
+            <a:schemeClr val="accent1"/>
+          </a:effectRef>
+          <a:fontRef idx="minor">
+            <a:schemeClr val="tx1"/>
+          </a:fontRef>
+        </p:style>
+      </p:cxnSp>
+      <p:cxnSp>
+        <p:nvCxnSpPr>
+          <p:cNvPr id="14" name="Conector reto 13">
+            <a:extLst>
+              <a:ext uri="{FF2B5EF4-FFF2-40B4-BE49-F238E27FC236}">
+                <a16:creationId xmlns:a16="http://schemas.microsoft.com/office/drawing/2014/main" id="{AF023E3C-F543-4085-935A-43B15925DDEB}"/>
+              </a:ext>
+            </a:extLst>
+          </p:cNvPr>
+          <p:cNvCxnSpPr>
+            <a:cxnSpLocks/>
+            <a:stCxn id="10" idx="3"/>
+            <a:endCxn id="11" idx="0"/>
+          </p:cNvCxnSpPr>
+          <p:nvPr/>
+        </p:nvCxnSpPr>
+        <p:spPr>
+          <a:xfrm>
+            <a:off x="8278464" y="3774026"/>
+            <a:ext cx="2716" cy="522312"/>
+          </a:xfrm>
+          <a:prstGeom prst="line">
+            <a:avLst/>
+          </a:prstGeom>
+        </p:spPr>
+        <p:style>
+          <a:lnRef idx="1">
+            <a:schemeClr val="accent1"/>
+          </a:lnRef>
+          <a:fillRef idx="0">
+            <a:schemeClr val="accent1"/>
+          </a:fillRef>
+          <a:effectRef idx="0">
+            <a:schemeClr val="accent1"/>
+          </a:effectRef>
+          <a:fontRef idx="minor">
+            <a:schemeClr val="tx1"/>
+          </a:fontRef>
+        </p:style>
+      </p:cxnSp>
+      <p:sp>
+        <p:nvSpPr>
+          <p:cNvPr id="15" name="Retângulo: Cantos Arredondados 14">
+            <a:extLst>
+              <a:ext uri="{FF2B5EF4-FFF2-40B4-BE49-F238E27FC236}">
+                <a16:creationId xmlns:a16="http://schemas.microsoft.com/office/drawing/2014/main" id="{35FC959D-85FE-44B6-99A0-BEB4037B6551}"/>
+              </a:ext>
+            </a:extLst>
+          </p:cNvPr>
+          <p:cNvSpPr/>
+          <p:nvPr/>
+        </p:nvSpPr>
+        <p:spPr>
+          <a:xfrm>
+            <a:off x="6546167" y="2398066"/>
+            <a:ext cx="3610708" cy="2875670"/>
+          </a:xfrm>
+          <a:prstGeom prst="roundRect">
+            <a:avLst/>
+          </a:prstGeom>
+          <a:noFill/>
+        </p:spPr>
+        <p:style>
+          <a:lnRef idx="2">
+            <a:schemeClr val="accent1">
+              <a:shade val="50000"/>
+            </a:schemeClr>
+          </a:lnRef>
+          <a:fillRef idx="1">
+            <a:schemeClr val="accent1"/>
+          </a:fillRef>
+          <a:effectRef idx="0">
+            <a:schemeClr val="accent1"/>
+          </a:effectRef>
+          <a:fontRef idx="minor">
+            <a:schemeClr val="lt1"/>
+          </a:fontRef>
+        </p:style>
+        <p:txBody>
+          <a:bodyPr rtlCol="0" anchor="t" anchorCtr="0"/>
+          <a:lstStyle/>
+          <a:p>
+            <a:pPr algn="ctr"/>
+            <a:r>
+              <a:rPr lang="pt-BR" dirty="0">
+                <a:solidFill>
+                  <a:schemeClr val="tx1"/>
+                </a:solidFill>
+              </a:rPr>
+              <a:t>Confeitaria</a:t>
+            </a:r>
+          </a:p>
+        </p:txBody>
+      </p:sp>
+    </p:spTree>
+    <p:extLst>
+      <p:ext uri="{BB962C8B-B14F-4D97-AF65-F5344CB8AC3E}">
+        <p14:creationId xmlns:p14="http://schemas.microsoft.com/office/powerpoint/2010/main" val="1633274240"/>
       </p:ext>
     </p:extLst>
   </p:cSld>
